--- a/exp1/instruction/instruction_exp.pptx
+++ b/exp1/instruction/instruction_exp.pptx
@@ -3120,6 +3120,50 @@
           <a:chExt cx="0" cy="0"/>
         </a:xfrm>
       </p:grpSpPr>
+      <p:cxnSp>
+        <p:nvCxnSpPr>
+          <p:cNvPr id="10" name="直线连接符 9">
+            <a:extLst>
+              <a:ext uri="{FF2B5EF4-FFF2-40B4-BE49-F238E27FC236}">
+                <a16:creationId xmlns:a16="http://schemas.microsoft.com/office/drawing/2014/main" id="{D43C4842-34D0-9942-9DB3-5708292E9BDF}"/>
+              </a:ext>
+            </a:extLst>
+          </p:cNvPr>
+          <p:cNvCxnSpPr>
+            <a:cxnSpLocks/>
+          </p:cNvCxnSpPr>
+          <p:nvPr/>
+        </p:nvCxnSpPr>
+        <p:spPr>
+          <a:xfrm>
+            <a:off x="6043613" y="0"/>
+            <a:ext cx="0" cy="6858000"/>
+          </a:xfrm>
+          <a:prstGeom prst="line">
+            <a:avLst/>
+          </a:prstGeom>
+          <a:ln w="28575">
+            <a:solidFill>
+              <a:srgbClr val="FF40FF"/>
+            </a:solidFill>
+            <a:prstDash val="lgDash"/>
+          </a:ln>
+        </p:spPr>
+        <p:style>
+          <a:lnRef idx="1">
+            <a:schemeClr val="accent1"/>
+          </a:lnRef>
+          <a:fillRef idx="0">
+            <a:schemeClr val="accent1"/>
+          </a:fillRef>
+          <a:effectRef idx="0">
+            <a:schemeClr val="accent1"/>
+          </a:effectRef>
+          <a:fontRef idx="minor">
+            <a:schemeClr val="tx1"/>
+          </a:fontRef>
+        </p:style>
+      </p:cxnSp>
       <p:grpSp>
         <p:nvGrpSpPr>
           <p:cNvPr id="3" name="组合 2">
@@ -3327,50 +3371,6 @@
           </a:p>
         </p:txBody>
       </p:sp>
-      <p:cxnSp>
-        <p:nvCxnSpPr>
-          <p:cNvPr id="10" name="直线连接符 9">
-            <a:extLst>
-              <a:ext uri="{FF2B5EF4-FFF2-40B4-BE49-F238E27FC236}">
-                <a16:creationId xmlns:a16="http://schemas.microsoft.com/office/drawing/2014/main" id="{D43C4842-34D0-9942-9DB3-5708292E9BDF}"/>
-              </a:ext>
-            </a:extLst>
-          </p:cNvPr>
-          <p:cNvCxnSpPr>
-            <a:cxnSpLocks/>
-          </p:cNvCxnSpPr>
-          <p:nvPr/>
-        </p:nvCxnSpPr>
-        <p:spPr>
-          <a:xfrm>
-            <a:off x="6043613" y="0"/>
-            <a:ext cx="0" cy="6858000"/>
-          </a:xfrm>
-          <a:prstGeom prst="line">
-            <a:avLst/>
-          </a:prstGeom>
-          <a:ln>
-            <a:solidFill>
-              <a:srgbClr val="FF40FF"/>
-            </a:solidFill>
-            <a:prstDash val="lgDash"/>
-          </a:ln>
-        </p:spPr>
-        <p:style>
-          <a:lnRef idx="1">
-            <a:schemeClr val="accent1"/>
-          </a:lnRef>
-          <a:fillRef idx="0">
-            <a:schemeClr val="accent1"/>
-          </a:fillRef>
-          <a:effectRef idx="0">
-            <a:schemeClr val="accent1"/>
-          </a:effectRef>
-          <a:fontRef idx="minor">
-            <a:schemeClr val="tx1"/>
-          </a:fontRef>
-        </p:style>
-      </p:cxnSp>
       <p:sp>
         <p:nvSpPr>
           <p:cNvPr id="11" name="文本框 10">
@@ -3777,6 +3777,50 @@
           <a:chExt cx="0" cy="0"/>
         </a:xfrm>
       </p:grpSpPr>
+      <p:cxnSp>
+        <p:nvCxnSpPr>
+          <p:cNvPr id="7" name="直线连接符 6">
+            <a:extLst>
+              <a:ext uri="{FF2B5EF4-FFF2-40B4-BE49-F238E27FC236}">
+                <a16:creationId xmlns:a16="http://schemas.microsoft.com/office/drawing/2014/main" id="{8106F123-983C-0843-A8E6-F249F8B6A8F5}"/>
+              </a:ext>
+            </a:extLst>
+          </p:cNvPr>
+          <p:cNvCxnSpPr>
+            <a:cxnSpLocks/>
+          </p:cNvCxnSpPr>
+          <p:nvPr/>
+        </p:nvCxnSpPr>
+        <p:spPr>
+          <a:xfrm>
+            <a:off x="6043613" y="0"/>
+            <a:ext cx="0" cy="6858000"/>
+          </a:xfrm>
+          <a:prstGeom prst="line">
+            <a:avLst/>
+          </a:prstGeom>
+          <a:ln w="28575">
+            <a:solidFill>
+              <a:srgbClr val="FF40FF"/>
+            </a:solidFill>
+            <a:prstDash val="lgDash"/>
+          </a:ln>
+        </p:spPr>
+        <p:style>
+          <a:lnRef idx="1">
+            <a:schemeClr val="accent1"/>
+          </a:lnRef>
+          <a:fillRef idx="0">
+            <a:schemeClr val="accent1"/>
+          </a:fillRef>
+          <a:effectRef idx="0">
+            <a:schemeClr val="accent1"/>
+          </a:effectRef>
+          <a:fontRef idx="minor">
+            <a:schemeClr val="tx1"/>
+          </a:fontRef>
+        </p:style>
+      </p:cxnSp>
       <p:grpSp>
         <p:nvGrpSpPr>
           <p:cNvPr id="25" name="组合 24">
@@ -4027,50 +4071,6 @@
           </a:p>
         </p:txBody>
       </p:sp>
-      <p:cxnSp>
-        <p:nvCxnSpPr>
-          <p:cNvPr id="7" name="直线连接符 6">
-            <a:extLst>
-              <a:ext uri="{FF2B5EF4-FFF2-40B4-BE49-F238E27FC236}">
-                <a16:creationId xmlns:a16="http://schemas.microsoft.com/office/drawing/2014/main" id="{8106F123-983C-0843-A8E6-F249F8B6A8F5}"/>
-              </a:ext>
-            </a:extLst>
-          </p:cNvPr>
-          <p:cNvCxnSpPr>
-            <a:cxnSpLocks/>
-          </p:cNvCxnSpPr>
-          <p:nvPr/>
-        </p:nvCxnSpPr>
-        <p:spPr>
-          <a:xfrm>
-            <a:off x="6043613" y="0"/>
-            <a:ext cx="0" cy="6858000"/>
-          </a:xfrm>
-          <a:prstGeom prst="line">
-            <a:avLst/>
-          </a:prstGeom>
-          <a:ln>
-            <a:solidFill>
-              <a:srgbClr val="FF40FF"/>
-            </a:solidFill>
-            <a:prstDash val="lgDash"/>
-          </a:ln>
-        </p:spPr>
-        <p:style>
-          <a:lnRef idx="1">
-            <a:schemeClr val="accent1"/>
-          </a:lnRef>
-          <a:fillRef idx="0">
-            <a:schemeClr val="accent1"/>
-          </a:fillRef>
-          <a:effectRef idx="0">
-            <a:schemeClr val="accent1"/>
-          </a:effectRef>
-          <a:fontRef idx="minor">
-            <a:schemeClr val="tx1"/>
-          </a:fontRef>
-        </p:style>
-      </p:cxnSp>
       <p:sp>
         <p:nvSpPr>
           <p:cNvPr id="4" name="文本框 3">
